--- a/Planning/JavaProjectPresentation.pptx
+++ b/Planning/JavaProjectPresentation.pptx
@@ -2,7 +2,7 @@
 <file path=ppt/presentation.xml><?xml version="1.0" encoding="utf-8"?>
 <p:presentation xmlns:a="http://schemas.openxmlformats.org/drawingml/2006/main" xmlns:r="http://schemas.openxmlformats.org/officeDocument/2006/relationships" xmlns:p="http://schemas.openxmlformats.org/presentationml/2006/main" autoCompressPictures="0">
   <p:sldMasterIdLst>
-    <p:sldMasterId id="2147483813" r:id="rId1"/>
+    <p:sldMasterId id="2147483831" r:id="rId1"/>
   </p:sldMasterIdLst>
   <p:sldIdLst>
     <p:sldId id="256" r:id="rId2"/>
@@ -125,562 +125,6 @@
 </p:presentation>
 </file>
 
-<file path=ppt/revisionInfo.xml><?xml version="1.0" encoding="utf-8"?>
-<p1510:revInfo xmlns:a="http://schemas.openxmlformats.org/drawingml/2006/main" xmlns:r="http://schemas.openxmlformats.org/officeDocument/2006/relationships" xmlns:p1510="http://schemas.microsoft.com/office/powerpoint/2015/10/main">
-  <p1510:revLst>
-    <p1510:client id="{E765876F-6E71-4420-A10D-5A212A9F2C58}" v="40" dt="2019-12-03T04:48:30.867"/>
-  </p1510:revLst>
-</p1510:revInfo>
-</file>
-
-<file path=ppt/changesInfos/changesInfo1.xml><?xml version="1.0" encoding="utf-8"?>
-<pc:chgInfo xmlns:a="http://schemas.openxmlformats.org/drawingml/2006/main" xmlns:r="http://schemas.openxmlformats.org/officeDocument/2006/relationships" xmlns:ac="http://schemas.microsoft.com/office/drawing/2013/main/command" xmlns:pc="http://schemas.microsoft.com/office/powerpoint/2013/main/command">
-  <pc:docChgLst>
-    <pc:chgData name="Erik Failing" userId="779e96b19cc7e037" providerId="LiveId" clId="{E765876F-6E71-4420-A10D-5A212A9F2C58}"/>
-    <pc:docChg chg="undo custSel addSld delSld modSld sldOrd">
-      <pc:chgData name="Erik Failing" userId="779e96b19cc7e037" providerId="LiveId" clId="{E765876F-6E71-4420-A10D-5A212A9F2C58}" dt="2019-12-03T04:51:10.497" v="911" actId="2696"/>
-      <pc:docMkLst>
-        <pc:docMk/>
-      </pc:docMkLst>
-      <pc:sldChg chg="addSp delSp modSp">
-        <pc:chgData name="Erik Failing" userId="779e96b19cc7e037" providerId="LiveId" clId="{E765876F-6E71-4420-A10D-5A212A9F2C58}" dt="2019-12-03T03:59:03.268" v="5" actId="14100"/>
-        <pc:sldMkLst>
-          <pc:docMk/>
-          <pc:sldMk cId="2951192427" sldId="258"/>
-        </pc:sldMkLst>
-        <pc:spChg chg="del">
-          <ac:chgData name="Erik Failing" userId="779e96b19cc7e037" providerId="LiveId" clId="{E765876F-6E71-4420-A10D-5A212A9F2C58}" dt="2019-12-03T03:58:14.922" v="0"/>
-          <ac:spMkLst>
-            <pc:docMk/>
-            <pc:sldMk cId="2951192427" sldId="258"/>
-            <ac:spMk id="3" creationId="{EB013F8D-5348-4520-890C-D30C380439EE}"/>
-          </ac:spMkLst>
-        </pc:spChg>
-        <pc:picChg chg="add mod">
-          <ac:chgData name="Erik Failing" userId="779e96b19cc7e037" providerId="LiveId" clId="{E765876F-6E71-4420-A10D-5A212A9F2C58}" dt="2019-12-03T03:59:03.268" v="5" actId="14100"/>
-          <ac:picMkLst>
-            <pc:docMk/>
-            <pc:sldMk cId="2951192427" sldId="258"/>
-            <ac:picMk id="4" creationId="{F5E53F8E-D52B-4FDB-BFE8-E4B8A056158B}"/>
-          </ac:picMkLst>
-        </pc:picChg>
-      </pc:sldChg>
-      <pc:sldChg chg="addSp delSp modSp add">
-        <pc:chgData name="Erik Failing" userId="779e96b19cc7e037" providerId="LiveId" clId="{E765876F-6E71-4420-A10D-5A212A9F2C58}" dt="2019-12-03T04:00:04.220" v="50" actId="20577"/>
-        <pc:sldMkLst>
-          <pc:docMk/>
-          <pc:sldMk cId="2389237922" sldId="259"/>
-        </pc:sldMkLst>
-        <pc:spChg chg="mod">
-          <ac:chgData name="Erik Failing" userId="779e96b19cc7e037" providerId="LiveId" clId="{E765876F-6E71-4420-A10D-5A212A9F2C58}" dt="2019-12-03T04:00:04.220" v="50" actId="20577"/>
-          <ac:spMkLst>
-            <pc:docMk/>
-            <pc:sldMk cId="2389237922" sldId="259"/>
-            <ac:spMk id="2" creationId="{0BDDC405-2941-4E0C-B11C-62C53A5F5825}"/>
-          </ac:spMkLst>
-        </pc:spChg>
-        <pc:spChg chg="add mod">
-          <ac:chgData name="Erik Failing" userId="779e96b19cc7e037" providerId="LiveId" clId="{E765876F-6E71-4420-A10D-5A212A9F2C58}" dt="2019-12-03T03:59:37.037" v="32" actId="478"/>
-          <ac:spMkLst>
-            <pc:docMk/>
-            <pc:sldMk cId="2389237922" sldId="259"/>
-            <ac:spMk id="5" creationId="{ED4C49E5-877F-43DE-A79D-2494AAD5693A}"/>
-          </ac:spMkLst>
-        </pc:spChg>
-        <pc:picChg chg="del">
-          <ac:chgData name="Erik Failing" userId="779e96b19cc7e037" providerId="LiveId" clId="{E765876F-6E71-4420-A10D-5A212A9F2C58}" dt="2019-12-03T03:59:37.037" v="32" actId="478"/>
-          <ac:picMkLst>
-            <pc:docMk/>
-            <pc:sldMk cId="2389237922" sldId="259"/>
-            <ac:picMk id="4" creationId="{F5E53F8E-D52B-4FDB-BFE8-E4B8A056158B}"/>
-          </ac:picMkLst>
-        </pc:picChg>
-      </pc:sldChg>
-      <pc:sldChg chg="addSp delSp modSp add">
-        <pc:chgData name="Erik Failing" userId="779e96b19cc7e037" providerId="LiveId" clId="{E765876F-6E71-4420-A10D-5A212A9F2C58}" dt="2019-12-03T04:02:19.862" v="72" actId="1076"/>
-        <pc:sldMkLst>
-          <pc:docMk/>
-          <pc:sldMk cId="1883468768" sldId="260"/>
-        </pc:sldMkLst>
-        <pc:spChg chg="mod">
-          <ac:chgData name="Erik Failing" userId="779e96b19cc7e037" providerId="LiveId" clId="{E765876F-6E71-4420-A10D-5A212A9F2C58}" dt="2019-12-03T04:00:09.208" v="57" actId="20577"/>
-          <ac:spMkLst>
-            <pc:docMk/>
-            <pc:sldMk cId="1883468768" sldId="260"/>
-            <ac:spMk id="2" creationId="{0BDDC405-2941-4E0C-B11C-62C53A5F5825}"/>
-          </ac:spMkLst>
-        </pc:spChg>
-        <pc:spChg chg="del">
-          <ac:chgData name="Erik Failing" userId="779e96b19cc7e037" providerId="LiveId" clId="{E765876F-6E71-4420-A10D-5A212A9F2C58}" dt="2019-12-03T04:02:03.054" v="68"/>
-          <ac:spMkLst>
-            <pc:docMk/>
-            <pc:sldMk cId="1883468768" sldId="260"/>
-            <ac:spMk id="5" creationId="{ED4C49E5-877F-43DE-A79D-2494AAD5693A}"/>
-          </ac:spMkLst>
-        </pc:spChg>
-        <pc:picChg chg="add mod">
-          <ac:chgData name="Erik Failing" userId="779e96b19cc7e037" providerId="LiveId" clId="{E765876F-6E71-4420-A10D-5A212A9F2C58}" dt="2019-12-03T04:02:19.862" v="72" actId="1076"/>
-          <ac:picMkLst>
-            <pc:docMk/>
-            <pc:sldMk cId="1883468768" sldId="260"/>
-            <ac:picMk id="3" creationId="{615EAC1B-271D-47F3-A308-687F75B0AF8C}"/>
-          </ac:picMkLst>
-        </pc:picChg>
-      </pc:sldChg>
-      <pc:sldChg chg="addSp delSp modSp add">
-        <pc:chgData name="Erik Failing" userId="779e96b19cc7e037" providerId="LiveId" clId="{E765876F-6E71-4420-A10D-5A212A9F2C58}" dt="2019-12-03T04:03:37.337" v="76" actId="1076"/>
-        <pc:sldMkLst>
-          <pc:docMk/>
-          <pc:sldMk cId="3003714386" sldId="261"/>
-        </pc:sldMkLst>
-        <pc:spChg chg="mod">
-          <ac:chgData name="Erik Failing" userId="779e96b19cc7e037" providerId="LiveId" clId="{E765876F-6E71-4420-A10D-5A212A9F2C58}" dt="2019-12-03T04:00:25.942" v="66" actId="20577"/>
-          <ac:spMkLst>
-            <pc:docMk/>
-            <pc:sldMk cId="3003714386" sldId="261"/>
-            <ac:spMk id="2" creationId="{0BDDC405-2941-4E0C-B11C-62C53A5F5825}"/>
-          </ac:spMkLst>
-        </pc:spChg>
-        <pc:spChg chg="del">
-          <ac:chgData name="Erik Failing" userId="779e96b19cc7e037" providerId="LiveId" clId="{E765876F-6E71-4420-A10D-5A212A9F2C58}" dt="2019-12-03T04:03:24.757" v="73"/>
-          <ac:spMkLst>
-            <pc:docMk/>
-            <pc:sldMk cId="3003714386" sldId="261"/>
-            <ac:spMk id="5" creationId="{ED4C49E5-877F-43DE-A79D-2494AAD5693A}"/>
-          </ac:spMkLst>
-        </pc:spChg>
-        <pc:picChg chg="add mod">
-          <ac:chgData name="Erik Failing" userId="779e96b19cc7e037" providerId="LiveId" clId="{E765876F-6E71-4420-A10D-5A212A9F2C58}" dt="2019-12-03T04:03:37.337" v="76" actId="1076"/>
-          <ac:picMkLst>
-            <pc:docMk/>
-            <pc:sldMk cId="3003714386" sldId="261"/>
-            <ac:picMk id="3" creationId="{BB00D1F8-29A8-4895-8B7A-0D4A7E297CDB}"/>
-          </ac:picMkLst>
-        </pc:picChg>
-      </pc:sldChg>
-      <pc:sldChg chg="addSp delSp modSp add">
-        <pc:chgData name="Erik Failing" userId="779e96b19cc7e037" providerId="LiveId" clId="{E765876F-6E71-4420-A10D-5A212A9F2C58}" dt="2019-12-03T04:06:46.799" v="182" actId="1076"/>
-        <pc:sldMkLst>
-          <pc:docMk/>
-          <pc:sldMk cId="765182342" sldId="262"/>
-        </pc:sldMkLst>
-        <pc:spChg chg="mod">
-          <ac:chgData name="Erik Failing" userId="779e96b19cc7e037" providerId="LiveId" clId="{E765876F-6E71-4420-A10D-5A212A9F2C58}" dt="2019-12-03T04:04:51.237" v="178" actId="20577"/>
-          <ac:spMkLst>
-            <pc:docMk/>
-            <pc:sldMk cId="765182342" sldId="262"/>
-            <ac:spMk id="2" creationId="{0BDDC405-2941-4E0C-B11C-62C53A5F5825}"/>
-          </ac:spMkLst>
-        </pc:spChg>
-        <pc:spChg chg="del">
-          <ac:chgData name="Erik Failing" userId="779e96b19cc7e037" providerId="LiveId" clId="{E765876F-6E71-4420-A10D-5A212A9F2C58}" dt="2019-12-03T04:06:31.900" v="179"/>
-          <ac:spMkLst>
-            <pc:docMk/>
-            <pc:sldMk cId="765182342" sldId="262"/>
-            <ac:spMk id="5" creationId="{ED4C49E5-877F-43DE-A79D-2494AAD5693A}"/>
-          </ac:spMkLst>
-        </pc:spChg>
-        <pc:picChg chg="add mod">
-          <ac:chgData name="Erik Failing" userId="779e96b19cc7e037" providerId="LiveId" clId="{E765876F-6E71-4420-A10D-5A212A9F2C58}" dt="2019-12-03T04:06:46.799" v="182" actId="1076"/>
-          <ac:picMkLst>
-            <pc:docMk/>
-            <pc:sldMk cId="765182342" sldId="262"/>
-            <ac:picMk id="3" creationId="{5651E604-D843-4B00-A60E-1B621BE68344}"/>
-          </ac:picMkLst>
-        </pc:picChg>
-      </pc:sldChg>
-      <pc:sldChg chg="addSp delSp modSp add ord">
-        <pc:chgData name="Erik Failing" userId="779e96b19cc7e037" providerId="LiveId" clId="{E765876F-6E71-4420-A10D-5A212A9F2C58}" dt="2019-12-03T04:10:38.490" v="228" actId="1076"/>
-        <pc:sldMkLst>
-          <pc:docMk/>
-          <pc:sldMk cId="3043894496" sldId="263"/>
-        </pc:sldMkLst>
-        <pc:spChg chg="mod">
-          <ac:chgData name="Erik Failing" userId="779e96b19cc7e037" providerId="LiveId" clId="{E765876F-6E71-4420-A10D-5A212A9F2C58}" dt="2019-12-03T04:08:56.353" v="223" actId="20577"/>
-          <ac:spMkLst>
-            <pc:docMk/>
-            <pc:sldMk cId="3043894496" sldId="263"/>
-            <ac:spMk id="2" creationId="{0BDDC405-2941-4E0C-B11C-62C53A5F5825}"/>
-          </ac:spMkLst>
-        </pc:spChg>
-        <pc:spChg chg="del">
-          <ac:chgData name="Erik Failing" userId="779e96b19cc7e037" providerId="LiveId" clId="{E765876F-6E71-4420-A10D-5A212A9F2C58}" dt="2019-12-03T04:10:28.461" v="224"/>
-          <ac:spMkLst>
-            <pc:docMk/>
-            <pc:sldMk cId="3043894496" sldId="263"/>
-            <ac:spMk id="5" creationId="{ED4C49E5-877F-43DE-A79D-2494AAD5693A}"/>
-          </ac:spMkLst>
-        </pc:spChg>
-        <pc:picChg chg="add mod">
-          <ac:chgData name="Erik Failing" userId="779e96b19cc7e037" providerId="LiveId" clId="{E765876F-6E71-4420-A10D-5A212A9F2C58}" dt="2019-12-03T04:10:38.490" v="228" actId="1076"/>
-          <ac:picMkLst>
-            <pc:docMk/>
-            <pc:sldMk cId="3043894496" sldId="263"/>
-            <ac:picMk id="3" creationId="{AA37B13D-B55C-4749-A39B-EE437E58123B}"/>
-          </ac:picMkLst>
-        </pc:picChg>
-      </pc:sldChg>
-      <pc:sldChg chg="addSp delSp modSp add">
-        <pc:chgData name="Erik Failing" userId="779e96b19cc7e037" providerId="LiveId" clId="{E765876F-6E71-4420-A10D-5A212A9F2C58}" dt="2019-12-03T04:20:35.192" v="308" actId="1076"/>
-        <pc:sldMkLst>
-          <pc:docMk/>
-          <pc:sldMk cId="874446363" sldId="264"/>
-        </pc:sldMkLst>
-        <pc:spChg chg="mod">
-          <ac:chgData name="Erik Failing" userId="779e96b19cc7e037" providerId="LiveId" clId="{E765876F-6E71-4420-A10D-5A212A9F2C58}" dt="2019-12-03T04:16:35.765" v="301" actId="20577"/>
-          <ac:spMkLst>
-            <pc:docMk/>
-            <pc:sldMk cId="874446363" sldId="264"/>
-            <ac:spMk id="2" creationId="{0BDDC405-2941-4E0C-B11C-62C53A5F5825}"/>
-          </ac:spMkLst>
-        </pc:spChg>
-        <pc:spChg chg="del">
-          <ac:chgData name="Erik Failing" userId="779e96b19cc7e037" providerId="LiveId" clId="{E765876F-6E71-4420-A10D-5A212A9F2C58}" dt="2019-12-03T04:20:06.883" v="302"/>
-          <ac:spMkLst>
-            <pc:docMk/>
-            <pc:sldMk cId="874446363" sldId="264"/>
-            <ac:spMk id="5" creationId="{ED4C49E5-877F-43DE-A79D-2494AAD5693A}"/>
-          </ac:spMkLst>
-        </pc:spChg>
-        <pc:picChg chg="add mod">
-          <ac:chgData name="Erik Failing" userId="779e96b19cc7e037" providerId="LiveId" clId="{E765876F-6E71-4420-A10D-5A212A9F2C58}" dt="2019-12-03T04:20:35.192" v="308" actId="1076"/>
-          <ac:picMkLst>
-            <pc:docMk/>
-            <pc:sldMk cId="874446363" sldId="264"/>
-            <ac:picMk id="3" creationId="{1DDBB5CC-4E6B-41AE-B2BB-DB8032841720}"/>
-          </ac:picMkLst>
-        </pc:picChg>
-      </pc:sldChg>
-      <pc:sldChg chg="addSp delSp modSp add">
-        <pc:chgData name="Erik Failing" userId="779e96b19cc7e037" providerId="LiveId" clId="{E765876F-6E71-4420-A10D-5A212A9F2C58}" dt="2019-12-03T04:22:01.990" v="345" actId="1076"/>
-        <pc:sldMkLst>
-          <pc:docMk/>
-          <pc:sldMk cId="355686553" sldId="265"/>
-        </pc:sldMkLst>
-        <pc:spChg chg="mod">
-          <ac:chgData name="Erik Failing" userId="779e96b19cc7e037" providerId="LiveId" clId="{E765876F-6E71-4420-A10D-5A212A9F2C58}" dt="2019-12-03T04:21:08.975" v="342" actId="20577"/>
-          <ac:spMkLst>
-            <pc:docMk/>
-            <pc:sldMk cId="355686553" sldId="265"/>
-            <ac:spMk id="2" creationId="{0BDDC405-2941-4E0C-B11C-62C53A5F5825}"/>
-          </ac:spMkLst>
-        </pc:spChg>
-        <pc:spChg chg="del">
-          <ac:chgData name="Erik Failing" userId="779e96b19cc7e037" providerId="LiveId" clId="{E765876F-6E71-4420-A10D-5A212A9F2C58}" dt="2019-12-03T04:21:54.373" v="343"/>
-          <ac:spMkLst>
-            <pc:docMk/>
-            <pc:sldMk cId="355686553" sldId="265"/>
-            <ac:spMk id="5" creationId="{ED4C49E5-877F-43DE-A79D-2494AAD5693A}"/>
-          </ac:spMkLst>
-        </pc:spChg>
-        <pc:picChg chg="add mod">
-          <ac:chgData name="Erik Failing" userId="779e96b19cc7e037" providerId="LiveId" clId="{E765876F-6E71-4420-A10D-5A212A9F2C58}" dt="2019-12-03T04:22:01.990" v="345" actId="1076"/>
-          <ac:picMkLst>
-            <pc:docMk/>
-            <pc:sldMk cId="355686553" sldId="265"/>
-            <ac:picMk id="3" creationId="{E75C1996-F62C-4B03-9EE0-67EBE050A24D}"/>
-          </ac:picMkLst>
-        </pc:picChg>
-      </pc:sldChg>
-      <pc:sldChg chg="addSp delSp modSp add">
-        <pc:chgData name="Erik Failing" userId="779e96b19cc7e037" providerId="LiveId" clId="{E765876F-6E71-4420-A10D-5A212A9F2C58}" dt="2019-12-03T04:26:54.471" v="426" actId="1076"/>
-        <pc:sldMkLst>
-          <pc:docMk/>
-          <pc:sldMk cId="267881032" sldId="266"/>
-        </pc:sldMkLst>
-        <pc:spChg chg="mod">
-          <ac:chgData name="Erik Failing" userId="779e96b19cc7e037" providerId="LiveId" clId="{E765876F-6E71-4420-A10D-5A212A9F2C58}" dt="2019-12-03T04:22:49.166" v="421" actId="20577"/>
-          <ac:spMkLst>
-            <pc:docMk/>
-            <pc:sldMk cId="267881032" sldId="266"/>
-            <ac:spMk id="2" creationId="{0BDDC405-2941-4E0C-B11C-62C53A5F5825}"/>
-          </ac:spMkLst>
-        </pc:spChg>
-        <pc:spChg chg="del">
-          <ac:chgData name="Erik Failing" userId="779e96b19cc7e037" providerId="LiveId" clId="{E765876F-6E71-4420-A10D-5A212A9F2C58}" dt="2019-12-03T04:26:41.797" v="422"/>
-          <ac:spMkLst>
-            <pc:docMk/>
-            <pc:sldMk cId="267881032" sldId="266"/>
-            <ac:spMk id="5" creationId="{ED4C49E5-877F-43DE-A79D-2494AAD5693A}"/>
-          </ac:spMkLst>
-        </pc:spChg>
-        <pc:picChg chg="add mod">
-          <ac:chgData name="Erik Failing" userId="779e96b19cc7e037" providerId="LiveId" clId="{E765876F-6E71-4420-A10D-5A212A9F2C58}" dt="2019-12-03T04:26:54.471" v="426" actId="1076"/>
-          <ac:picMkLst>
-            <pc:docMk/>
-            <pc:sldMk cId="267881032" sldId="266"/>
-            <ac:picMk id="3" creationId="{D26FAFB1-2AA7-4226-9E41-1F38510D4425}"/>
-          </ac:picMkLst>
-        </pc:picChg>
-      </pc:sldChg>
-      <pc:sldChg chg="addSp delSp modSp add">
-        <pc:chgData name="Erik Failing" userId="779e96b19cc7e037" providerId="LiveId" clId="{E765876F-6E71-4420-A10D-5A212A9F2C58}" dt="2019-12-03T04:30:37.335" v="550" actId="20577"/>
-        <pc:sldMkLst>
-          <pc:docMk/>
-          <pc:sldMk cId="3191505633" sldId="267"/>
-        </pc:sldMkLst>
-        <pc:spChg chg="mod">
-          <ac:chgData name="Erik Failing" userId="779e96b19cc7e037" providerId="LiveId" clId="{E765876F-6E71-4420-A10D-5A212A9F2C58}" dt="2019-12-03T04:30:37.335" v="550" actId="20577"/>
-          <ac:spMkLst>
-            <pc:docMk/>
-            <pc:sldMk cId="3191505633" sldId="267"/>
-            <ac:spMk id="2" creationId="{0BDDC405-2941-4E0C-B11C-62C53A5F5825}"/>
-          </ac:spMkLst>
-        </pc:spChg>
-        <pc:spChg chg="del">
-          <ac:chgData name="Erik Failing" userId="779e96b19cc7e037" providerId="LiveId" clId="{E765876F-6E71-4420-A10D-5A212A9F2C58}" dt="2019-12-03T04:28:27.853" v="427"/>
-          <ac:spMkLst>
-            <pc:docMk/>
-            <pc:sldMk cId="3191505633" sldId="267"/>
-            <ac:spMk id="5" creationId="{ED4C49E5-877F-43DE-A79D-2494AAD5693A}"/>
-          </ac:spMkLst>
-        </pc:spChg>
-        <pc:picChg chg="add mod">
-          <ac:chgData name="Erik Failing" userId="779e96b19cc7e037" providerId="LiveId" clId="{E765876F-6E71-4420-A10D-5A212A9F2C58}" dt="2019-12-03T04:28:37.327" v="429" actId="1076"/>
-          <ac:picMkLst>
-            <pc:docMk/>
-            <pc:sldMk cId="3191505633" sldId="267"/>
-            <ac:picMk id="3" creationId="{8E2FEA0E-FB2F-4CFB-A398-AAE7D40BFD51}"/>
-          </ac:picMkLst>
-        </pc:picChg>
-      </pc:sldChg>
-      <pc:sldChg chg="addSp delSp modSp add">
-        <pc:chgData name="Erik Failing" userId="779e96b19cc7e037" providerId="LiveId" clId="{E765876F-6E71-4420-A10D-5A212A9F2C58}" dt="2019-12-03T04:35:09.820" v="682" actId="20577"/>
-        <pc:sldMkLst>
-          <pc:docMk/>
-          <pc:sldMk cId="2104316755" sldId="268"/>
-        </pc:sldMkLst>
-        <pc:spChg chg="mod">
-          <ac:chgData name="Erik Failing" userId="779e96b19cc7e037" providerId="LiveId" clId="{E765876F-6E71-4420-A10D-5A212A9F2C58}" dt="2019-12-03T04:35:09.820" v="682" actId="20577"/>
-          <ac:spMkLst>
-            <pc:docMk/>
-            <pc:sldMk cId="2104316755" sldId="268"/>
-            <ac:spMk id="2" creationId="{0BDDC405-2941-4E0C-B11C-62C53A5F5825}"/>
-          </ac:spMkLst>
-        </pc:spChg>
-        <pc:spChg chg="del">
-          <ac:chgData name="Erik Failing" userId="779e96b19cc7e037" providerId="LiveId" clId="{E765876F-6E71-4420-A10D-5A212A9F2C58}" dt="2019-12-03T04:34:32.875" v="666"/>
-          <ac:spMkLst>
-            <pc:docMk/>
-            <pc:sldMk cId="2104316755" sldId="268"/>
-            <ac:spMk id="5" creationId="{ED4C49E5-877F-43DE-A79D-2494AAD5693A}"/>
-          </ac:spMkLst>
-        </pc:spChg>
-        <pc:picChg chg="add mod">
-          <ac:chgData name="Erik Failing" userId="779e96b19cc7e037" providerId="LiveId" clId="{E765876F-6E71-4420-A10D-5A212A9F2C58}" dt="2019-12-03T04:34:39.926" v="668" actId="1076"/>
-          <ac:picMkLst>
-            <pc:docMk/>
-            <pc:sldMk cId="2104316755" sldId="268"/>
-            <ac:picMk id="3" creationId="{D5C57319-021A-4D12-97A7-B09B3BE695C1}"/>
-          </ac:picMkLst>
-        </pc:picChg>
-      </pc:sldChg>
-      <pc:sldChg chg="addSp delSp modSp add">
-        <pc:chgData name="Erik Failing" userId="779e96b19cc7e037" providerId="LiveId" clId="{E765876F-6E71-4420-A10D-5A212A9F2C58}" dt="2019-12-03T04:38:07.797" v="713" actId="1076"/>
-        <pc:sldMkLst>
-          <pc:docMk/>
-          <pc:sldMk cId="3551936232" sldId="269"/>
-        </pc:sldMkLst>
-        <pc:spChg chg="mod">
-          <ac:chgData name="Erik Failing" userId="779e96b19cc7e037" providerId="LiveId" clId="{E765876F-6E71-4420-A10D-5A212A9F2C58}" dt="2019-12-03T04:37:38.890" v="710" actId="20577"/>
-          <ac:spMkLst>
-            <pc:docMk/>
-            <pc:sldMk cId="3551936232" sldId="269"/>
-            <ac:spMk id="2" creationId="{0BDDC405-2941-4E0C-B11C-62C53A5F5825}"/>
-          </ac:spMkLst>
-        </pc:spChg>
-        <pc:spChg chg="del">
-          <ac:chgData name="Erik Failing" userId="779e96b19cc7e037" providerId="LiveId" clId="{E765876F-6E71-4420-A10D-5A212A9F2C58}" dt="2019-12-03T04:38:02.534" v="711"/>
-          <ac:spMkLst>
-            <pc:docMk/>
-            <pc:sldMk cId="3551936232" sldId="269"/>
-            <ac:spMk id="5" creationId="{ED4C49E5-877F-43DE-A79D-2494AAD5693A}"/>
-          </ac:spMkLst>
-        </pc:spChg>
-        <pc:picChg chg="add mod">
-          <ac:chgData name="Erik Failing" userId="779e96b19cc7e037" providerId="LiveId" clId="{E765876F-6E71-4420-A10D-5A212A9F2C58}" dt="2019-12-03T04:38:07.797" v="713" actId="1076"/>
-          <ac:picMkLst>
-            <pc:docMk/>
-            <pc:sldMk cId="3551936232" sldId="269"/>
-            <ac:picMk id="3" creationId="{55A97259-F3C6-4B19-86F8-ECE8C0F2003B}"/>
-          </ac:picMkLst>
-        </pc:picChg>
-      </pc:sldChg>
-      <pc:sldChg chg="addSp delSp modSp add">
-        <pc:chgData name="Erik Failing" userId="779e96b19cc7e037" providerId="LiveId" clId="{E765876F-6E71-4420-A10D-5A212A9F2C58}" dt="2019-12-03T04:39:30.705" v="734" actId="1076"/>
-        <pc:sldMkLst>
-          <pc:docMk/>
-          <pc:sldMk cId="4116071973" sldId="270"/>
-        </pc:sldMkLst>
-        <pc:spChg chg="mod">
-          <ac:chgData name="Erik Failing" userId="779e96b19cc7e037" providerId="LiveId" clId="{E765876F-6E71-4420-A10D-5A212A9F2C58}" dt="2019-12-03T04:38:32.196" v="731" actId="20577"/>
-          <ac:spMkLst>
-            <pc:docMk/>
-            <pc:sldMk cId="4116071973" sldId="270"/>
-            <ac:spMk id="2" creationId="{0BDDC405-2941-4E0C-B11C-62C53A5F5825}"/>
-          </ac:spMkLst>
-        </pc:spChg>
-        <pc:spChg chg="del">
-          <ac:chgData name="Erik Failing" userId="779e96b19cc7e037" providerId="LiveId" clId="{E765876F-6E71-4420-A10D-5A212A9F2C58}" dt="2019-12-03T04:39:23.156" v="732"/>
-          <ac:spMkLst>
-            <pc:docMk/>
-            <pc:sldMk cId="4116071973" sldId="270"/>
-            <ac:spMk id="5" creationId="{ED4C49E5-877F-43DE-A79D-2494AAD5693A}"/>
-          </ac:spMkLst>
-        </pc:spChg>
-        <pc:picChg chg="add mod">
-          <ac:chgData name="Erik Failing" userId="779e96b19cc7e037" providerId="LiveId" clId="{E765876F-6E71-4420-A10D-5A212A9F2C58}" dt="2019-12-03T04:39:30.705" v="734" actId="1076"/>
-          <ac:picMkLst>
-            <pc:docMk/>
-            <pc:sldMk cId="4116071973" sldId="270"/>
-            <ac:picMk id="3" creationId="{72B13865-D69E-41E1-8385-0B36FC0FCB81}"/>
-          </ac:picMkLst>
-        </pc:picChg>
-      </pc:sldChg>
-      <pc:sldChg chg="addSp delSp modSp add ord">
-        <pc:chgData name="Erik Failing" userId="779e96b19cc7e037" providerId="LiveId" clId="{E765876F-6E71-4420-A10D-5A212A9F2C58}" dt="2019-12-03T04:34:45.885" v="670" actId="1076"/>
-        <pc:sldMkLst>
-          <pc:docMk/>
-          <pc:sldMk cId="491521624" sldId="271"/>
-        </pc:sldMkLst>
-        <pc:spChg chg="mod">
-          <ac:chgData name="Erik Failing" userId="779e96b19cc7e037" providerId="LiveId" clId="{E765876F-6E71-4420-A10D-5A212A9F2C58}" dt="2019-12-03T04:32:06.844" v="616" actId="20577"/>
-          <ac:spMkLst>
-            <pc:docMk/>
-            <pc:sldMk cId="491521624" sldId="271"/>
-            <ac:spMk id="2" creationId="{0BDDC405-2941-4E0C-B11C-62C53A5F5825}"/>
-          </ac:spMkLst>
-        </pc:spChg>
-        <pc:spChg chg="del">
-          <ac:chgData name="Erik Failing" userId="779e96b19cc7e037" providerId="LiveId" clId="{E765876F-6E71-4420-A10D-5A212A9F2C58}" dt="2019-12-03T04:32:59.615" v="617"/>
-          <ac:spMkLst>
-            <pc:docMk/>
-            <pc:sldMk cId="491521624" sldId="271"/>
-            <ac:spMk id="5" creationId="{ED4C49E5-877F-43DE-A79D-2494AAD5693A}"/>
-          </ac:spMkLst>
-        </pc:spChg>
-        <pc:picChg chg="add mod">
-          <ac:chgData name="Erik Failing" userId="779e96b19cc7e037" providerId="LiveId" clId="{E765876F-6E71-4420-A10D-5A212A9F2C58}" dt="2019-12-03T04:34:45.885" v="670" actId="1076"/>
-          <ac:picMkLst>
-            <pc:docMk/>
-            <pc:sldMk cId="491521624" sldId="271"/>
-            <ac:picMk id="3" creationId="{34846FE0-5DBB-45A9-BF81-BB8E2684D13A}"/>
-          </ac:picMkLst>
-        </pc:picChg>
-      </pc:sldChg>
-      <pc:sldChg chg="addSp delSp modSp add">
-        <pc:chgData name="Erik Failing" userId="779e96b19cc7e037" providerId="LiveId" clId="{E765876F-6E71-4420-A10D-5A212A9F2C58}" dt="2019-12-03T04:41:13.965" v="785" actId="1076"/>
-        <pc:sldMkLst>
-          <pc:docMk/>
-          <pc:sldMk cId="1217980689" sldId="272"/>
-        </pc:sldMkLst>
-        <pc:spChg chg="mod">
-          <ac:chgData name="Erik Failing" userId="779e96b19cc7e037" providerId="LiveId" clId="{E765876F-6E71-4420-A10D-5A212A9F2C58}" dt="2019-12-03T04:41:04.821" v="782" actId="20577"/>
-          <ac:spMkLst>
-            <pc:docMk/>
-            <pc:sldMk cId="1217980689" sldId="272"/>
-            <ac:spMk id="2" creationId="{0BDDC405-2941-4E0C-B11C-62C53A5F5825}"/>
-          </ac:spMkLst>
-        </pc:spChg>
-        <pc:spChg chg="del">
-          <ac:chgData name="Erik Failing" userId="779e96b19cc7e037" providerId="LiveId" clId="{E765876F-6E71-4420-A10D-5A212A9F2C58}" dt="2019-12-03T04:41:08.229" v="783"/>
-          <ac:spMkLst>
-            <pc:docMk/>
-            <pc:sldMk cId="1217980689" sldId="272"/>
-            <ac:spMk id="5" creationId="{ED4C49E5-877F-43DE-A79D-2494AAD5693A}"/>
-          </ac:spMkLst>
-        </pc:spChg>
-        <pc:picChg chg="add mod">
-          <ac:chgData name="Erik Failing" userId="779e96b19cc7e037" providerId="LiveId" clId="{E765876F-6E71-4420-A10D-5A212A9F2C58}" dt="2019-12-03T04:41:13.965" v="785" actId="1076"/>
-          <ac:picMkLst>
-            <pc:docMk/>
-            <pc:sldMk cId="1217980689" sldId="272"/>
-            <ac:picMk id="3" creationId="{A730FE67-B959-4871-B127-CBBA3FE7ECE6}"/>
-          </ac:picMkLst>
-        </pc:picChg>
-      </pc:sldChg>
-      <pc:sldChg chg="addSp delSp modSp add">
-        <pc:chgData name="Erik Failing" userId="779e96b19cc7e037" providerId="LiveId" clId="{E765876F-6E71-4420-A10D-5A212A9F2C58}" dt="2019-12-03T04:48:51.823" v="831" actId="1076"/>
-        <pc:sldMkLst>
-          <pc:docMk/>
-          <pc:sldMk cId="1713620118" sldId="273"/>
-        </pc:sldMkLst>
-        <pc:spChg chg="mod">
-          <ac:chgData name="Erik Failing" userId="779e96b19cc7e037" providerId="LiveId" clId="{E765876F-6E71-4420-A10D-5A212A9F2C58}" dt="2019-12-03T04:41:54.281" v="825" actId="20577"/>
-          <ac:spMkLst>
-            <pc:docMk/>
-            <pc:sldMk cId="1713620118" sldId="273"/>
-            <ac:spMk id="2" creationId="{0BDDC405-2941-4E0C-B11C-62C53A5F5825}"/>
-          </ac:spMkLst>
-        </pc:spChg>
-        <pc:spChg chg="del">
-          <ac:chgData name="Erik Failing" userId="779e96b19cc7e037" providerId="LiveId" clId="{E765876F-6E71-4420-A10D-5A212A9F2C58}" dt="2019-12-03T04:47:57.727" v="826"/>
-          <ac:spMkLst>
-            <pc:docMk/>
-            <pc:sldMk cId="1713620118" sldId="273"/>
-            <ac:spMk id="5" creationId="{ED4C49E5-877F-43DE-A79D-2494AAD5693A}"/>
-          </ac:spMkLst>
-        </pc:spChg>
-        <pc:spChg chg="add del mod">
-          <ac:chgData name="Erik Failing" userId="779e96b19cc7e037" providerId="LiveId" clId="{E765876F-6E71-4420-A10D-5A212A9F2C58}" dt="2019-12-03T04:48:30.867" v="828"/>
-          <ac:spMkLst>
-            <pc:docMk/>
-            <pc:sldMk cId="1713620118" sldId="273"/>
-            <ac:spMk id="6" creationId="{D62588D4-DC63-45A1-8920-621EB439028E}"/>
-          </ac:spMkLst>
-        </pc:spChg>
-        <pc:picChg chg="add del mod">
-          <ac:chgData name="Erik Failing" userId="779e96b19cc7e037" providerId="LiveId" clId="{E765876F-6E71-4420-A10D-5A212A9F2C58}" dt="2019-12-03T04:48:06.475" v="827" actId="478"/>
-          <ac:picMkLst>
-            <pc:docMk/>
-            <pc:sldMk cId="1713620118" sldId="273"/>
-            <ac:picMk id="3" creationId="{58EFA4B0-6E38-45D8-BC58-FBB5FEBDA57D}"/>
-          </ac:picMkLst>
-        </pc:picChg>
-        <pc:picChg chg="add mod">
-          <ac:chgData name="Erik Failing" userId="779e96b19cc7e037" providerId="LiveId" clId="{E765876F-6E71-4420-A10D-5A212A9F2C58}" dt="2019-12-03T04:48:51.823" v="831" actId="1076"/>
-          <ac:picMkLst>
-            <pc:docMk/>
-            <pc:sldMk cId="1713620118" sldId="273"/>
-            <ac:picMk id="7" creationId="{44035E15-E124-4BB7-BA09-64A4057B4DC9}"/>
-          </ac:picMkLst>
-        </pc:picChg>
-      </pc:sldChg>
-      <pc:sldChg chg="delSp modSp add">
-        <pc:chgData name="Erik Failing" userId="779e96b19cc7e037" providerId="LiveId" clId="{E765876F-6E71-4420-A10D-5A212A9F2C58}" dt="2019-12-03T04:50:50.028" v="910" actId="20577"/>
-        <pc:sldMkLst>
-          <pc:docMk/>
-          <pc:sldMk cId="4214388639" sldId="274"/>
-        </pc:sldMkLst>
-        <pc:spChg chg="mod">
-          <ac:chgData name="Erik Failing" userId="779e96b19cc7e037" providerId="LiveId" clId="{E765876F-6E71-4420-A10D-5A212A9F2C58}" dt="2019-12-03T04:50:50.028" v="910" actId="20577"/>
-          <ac:spMkLst>
-            <pc:docMk/>
-            <pc:sldMk cId="4214388639" sldId="274"/>
-            <ac:spMk id="2" creationId="{0BDDC405-2941-4E0C-B11C-62C53A5F5825}"/>
-          </ac:spMkLst>
-        </pc:spChg>
-        <pc:spChg chg="del">
-          <ac:chgData name="Erik Failing" userId="779e96b19cc7e037" providerId="LiveId" clId="{E765876F-6E71-4420-A10D-5A212A9F2C58}" dt="2019-12-03T04:49:55.350" v="890" actId="478"/>
-          <ac:spMkLst>
-            <pc:docMk/>
-            <pc:sldMk cId="4214388639" sldId="274"/>
-            <ac:spMk id="5" creationId="{ED4C49E5-877F-43DE-A79D-2494AAD5693A}"/>
-          </ac:spMkLst>
-        </pc:spChg>
-      </pc:sldChg>
-      <pc:sldChg chg="add del">
-        <pc:chgData name="Erik Failing" userId="779e96b19cc7e037" providerId="LiveId" clId="{E765876F-6E71-4420-A10D-5A212A9F2C58}" dt="2019-12-03T04:51:10.497" v="911" actId="2696"/>
-        <pc:sldMkLst>
-          <pc:docMk/>
-          <pc:sldMk cId="2483768006" sldId="275"/>
-        </pc:sldMkLst>
-      </pc:sldChg>
-    </pc:docChg>
-  </pc:docChgLst>
-</pc:chgInfo>
-</file>
-
 <file path=ppt/slideLayouts/slideLayout1.xml><?xml version="1.0" encoding="utf-8"?>
 <p:sldLayout xmlns:a="http://schemas.openxmlformats.org/drawingml/2006/main" xmlns:r="http://schemas.openxmlformats.org/officeDocument/2006/relationships" xmlns:p="http://schemas.openxmlformats.org/presentationml/2006/main" showMasterSp="0" type="title" preserve="1">
   <p:cSld name="Title Slide">
@@ -709,6 +153,13 @@
         <p:blipFill>
           <a:blip r:embed="rId2">
             <a:alphaModFix amt="30000"/>
+            <a:duotone>
+              <a:prstClr val="black"/>
+              <a:schemeClr val="tx2">
+                <a:tint val="45000"/>
+                <a:satMod val="400000"/>
+              </a:schemeClr>
+            </a:duotone>
             <a:extLst>
               <a:ext uri="{28A0092B-C50C-407E-A947-70E740481C1C}">
                 <a14:useLocalDpi xmlns:a14="http://schemas.microsoft.com/office/drawing/2010/main" val="0"/>
@@ -759,9 +210,8 @@
                 <a:schemeClr val="tx2"/>
               </a:gs>
               <a:gs pos="100000">
-                <a:schemeClr val="bg2">
-                  <a:lumMod val="60000"/>
-                  <a:lumOff val="40000"/>
+                <a:schemeClr val="tx2">
+                  <a:lumMod val="50000"/>
                 </a:schemeClr>
               </a:gs>
             </a:gsLst>
@@ -5018,7 +4468,7 @@
     </p:spTree>
     <p:extLst>
       <p:ext uri="{BB962C8B-B14F-4D97-AF65-F5344CB8AC3E}">
-        <p14:creationId xmlns:p14="http://schemas.microsoft.com/office/powerpoint/2010/main" val="2927007584"/>
+        <p14:creationId xmlns:p14="http://schemas.microsoft.com/office/powerpoint/2010/main" val="643306095"/>
       </p:ext>
     </p:extLst>
   </p:cSld>
@@ -5275,7 +4725,7 @@
     </p:spTree>
     <p:extLst>
       <p:ext uri="{BB962C8B-B14F-4D97-AF65-F5344CB8AC3E}">
-        <p14:creationId xmlns:p14="http://schemas.microsoft.com/office/powerpoint/2010/main" val="1776957967"/>
+        <p14:creationId xmlns:p14="http://schemas.microsoft.com/office/powerpoint/2010/main" val="2396360709"/>
       </p:ext>
     </p:extLst>
   </p:cSld>
@@ -5471,7 +4921,7 @@
     </p:spTree>
     <p:extLst>
       <p:ext uri="{BB962C8B-B14F-4D97-AF65-F5344CB8AC3E}">
-        <p14:creationId xmlns:p14="http://schemas.microsoft.com/office/powerpoint/2010/main" val="1766504355"/>
+        <p14:creationId xmlns:p14="http://schemas.microsoft.com/office/powerpoint/2010/main" val="3208971728"/>
       </p:ext>
     </p:extLst>
   </p:cSld>
@@ -5972,7 +5422,7 @@
     </p:spTree>
     <p:extLst>
       <p:ext uri="{BB962C8B-B14F-4D97-AF65-F5344CB8AC3E}">
-        <p14:creationId xmlns:p14="http://schemas.microsoft.com/office/powerpoint/2010/main" val="634046102"/>
+        <p14:creationId xmlns:p14="http://schemas.microsoft.com/office/powerpoint/2010/main" val="1763576868"/>
       </p:ext>
     </p:extLst>
   </p:cSld>
@@ -6168,7 +5618,7 @@
     </p:spTree>
     <p:extLst>
       <p:ext uri="{BB962C8B-B14F-4D97-AF65-F5344CB8AC3E}">
-        <p14:creationId xmlns:p14="http://schemas.microsoft.com/office/powerpoint/2010/main" val="3059446135"/>
+        <p14:creationId xmlns:p14="http://schemas.microsoft.com/office/powerpoint/2010/main" val="1882047923"/>
       </p:ext>
     </p:extLst>
   </p:cSld>
@@ -6714,7 +6164,7 @@
     </p:spTree>
     <p:extLst>
       <p:ext uri="{BB962C8B-B14F-4D97-AF65-F5344CB8AC3E}">
-        <p14:creationId xmlns:p14="http://schemas.microsoft.com/office/powerpoint/2010/main" val="1394848030"/>
+        <p14:creationId xmlns:p14="http://schemas.microsoft.com/office/powerpoint/2010/main" val="3108975089"/>
       </p:ext>
     </p:extLst>
   </p:cSld>
@@ -7434,7 +6884,7 @@
     </p:spTree>
     <p:extLst>
       <p:ext uri="{BB962C8B-B14F-4D97-AF65-F5344CB8AC3E}">
-        <p14:creationId xmlns:p14="http://schemas.microsoft.com/office/powerpoint/2010/main" val="3634610341"/>
+        <p14:creationId xmlns:p14="http://schemas.microsoft.com/office/powerpoint/2010/main" val="1214143979"/>
       </p:ext>
     </p:extLst>
   </p:cSld>
@@ -7604,7 +7054,7 @@
     </p:spTree>
     <p:extLst>
       <p:ext uri="{BB962C8B-B14F-4D97-AF65-F5344CB8AC3E}">
-        <p14:creationId xmlns:p14="http://schemas.microsoft.com/office/powerpoint/2010/main" val="1540112614"/>
+        <p14:creationId xmlns:p14="http://schemas.microsoft.com/office/powerpoint/2010/main" val="1215180016"/>
       </p:ext>
     </p:extLst>
   </p:cSld>
@@ -7784,7 +7234,7 @@
     </p:spTree>
     <p:extLst>
       <p:ext uri="{BB962C8B-B14F-4D97-AF65-F5344CB8AC3E}">
-        <p14:creationId xmlns:p14="http://schemas.microsoft.com/office/powerpoint/2010/main" val="741770954"/>
+        <p14:creationId xmlns:p14="http://schemas.microsoft.com/office/powerpoint/2010/main" val="2245478331"/>
       </p:ext>
     </p:extLst>
   </p:cSld>
@@ -7954,7 +7404,7 @@
     </p:spTree>
     <p:extLst>
       <p:ext uri="{BB962C8B-B14F-4D97-AF65-F5344CB8AC3E}">
-        <p14:creationId xmlns:p14="http://schemas.microsoft.com/office/powerpoint/2010/main" val="2027611204"/>
+        <p14:creationId xmlns:p14="http://schemas.microsoft.com/office/powerpoint/2010/main" val="978530596"/>
       </p:ext>
     </p:extLst>
   </p:cSld>
@@ -8204,7 +7654,7 @@
     </p:spTree>
     <p:extLst>
       <p:ext uri="{BB962C8B-B14F-4D97-AF65-F5344CB8AC3E}">
-        <p14:creationId xmlns:p14="http://schemas.microsoft.com/office/powerpoint/2010/main" val="1280082184"/>
+        <p14:creationId xmlns:p14="http://schemas.microsoft.com/office/powerpoint/2010/main" val="1451346827"/>
       </p:ext>
     </p:extLst>
   </p:cSld>
@@ -8436,7 +7886,7 @@
     </p:spTree>
     <p:extLst>
       <p:ext uri="{BB962C8B-B14F-4D97-AF65-F5344CB8AC3E}">
-        <p14:creationId xmlns:p14="http://schemas.microsoft.com/office/powerpoint/2010/main" val="1753479380"/>
+        <p14:creationId xmlns:p14="http://schemas.microsoft.com/office/powerpoint/2010/main" val="1763901324"/>
       </p:ext>
     </p:extLst>
   </p:cSld>
@@ -8817,7 +8267,7 @@
     </p:spTree>
     <p:extLst>
       <p:ext uri="{BB962C8B-B14F-4D97-AF65-F5344CB8AC3E}">
-        <p14:creationId xmlns:p14="http://schemas.microsoft.com/office/powerpoint/2010/main" val="3925444588"/>
+        <p14:creationId xmlns:p14="http://schemas.microsoft.com/office/powerpoint/2010/main" val="2519504150"/>
       </p:ext>
     </p:extLst>
   </p:cSld>
@@ -8935,7 +8385,7 @@
     </p:spTree>
     <p:extLst>
       <p:ext uri="{BB962C8B-B14F-4D97-AF65-F5344CB8AC3E}">
-        <p14:creationId xmlns:p14="http://schemas.microsoft.com/office/powerpoint/2010/main" val="1853911012"/>
+        <p14:creationId xmlns:p14="http://schemas.microsoft.com/office/powerpoint/2010/main" val="248752232"/>
       </p:ext>
     </p:extLst>
   </p:cSld>
@@ -9030,7 +8480,7 @@
     </p:spTree>
     <p:extLst>
       <p:ext uri="{BB962C8B-B14F-4D97-AF65-F5344CB8AC3E}">
-        <p14:creationId xmlns:p14="http://schemas.microsoft.com/office/powerpoint/2010/main" val="1195207473"/>
+        <p14:creationId xmlns:p14="http://schemas.microsoft.com/office/powerpoint/2010/main" val="273141025"/>
       </p:ext>
     </p:extLst>
   </p:cSld>
@@ -9279,7 +8729,7 @@
     </p:spTree>
     <p:extLst>
       <p:ext uri="{BB962C8B-B14F-4D97-AF65-F5344CB8AC3E}">
-        <p14:creationId xmlns:p14="http://schemas.microsoft.com/office/powerpoint/2010/main" val="835676674"/>
+        <p14:creationId xmlns:p14="http://schemas.microsoft.com/office/powerpoint/2010/main" val="2342792542"/>
       </p:ext>
     </p:extLst>
   </p:cSld>
@@ -9559,7 +9009,7 @@
     </p:spTree>
     <p:extLst>
       <p:ext uri="{BB962C8B-B14F-4D97-AF65-F5344CB8AC3E}">
-        <p14:creationId xmlns:p14="http://schemas.microsoft.com/office/powerpoint/2010/main" val="3030272286"/>
+        <p14:creationId xmlns:p14="http://schemas.microsoft.com/office/powerpoint/2010/main" val="1348843288"/>
       </p:ext>
     </p:extLst>
   </p:cSld>
@@ -9602,6 +9052,13 @@
         <p:blipFill>
           <a:blip r:embed="rId19">
             <a:alphaModFix amt="30000"/>
+            <a:duotone>
+              <a:prstClr val="black"/>
+              <a:schemeClr val="tx2">
+                <a:tint val="45000"/>
+                <a:satMod val="400000"/>
+              </a:schemeClr>
+            </a:duotone>
             <a:extLst>
               <a:ext uri="{28A0092B-C50C-407E-A947-70E740481C1C}">
                 <a14:useLocalDpi xmlns:a14="http://schemas.microsoft.com/office/drawing/2010/main" val="0"/>
@@ -9646,6 +9103,20 @@
             <a:chOff x="-14288" y="0"/>
             <a:chExt cx="12053888" cy="6858001"/>
           </a:xfrm>
+          <a:gradFill flip="none" rotWithShape="1">
+            <a:gsLst>
+              <a:gs pos="0">
+                <a:schemeClr val="tx2"/>
+              </a:gs>
+              <a:gs pos="100000">
+                <a:schemeClr val="tx2">
+                  <a:lumMod val="50000"/>
+                </a:schemeClr>
+              </a:gs>
+            </a:gsLst>
+            <a:lin ang="5400000" scaled="0"/>
+            <a:tileRect/>
+          </a:gradFill>
         </p:grpSpPr>
         <p:grpSp>
           <p:nvGrpSpPr>
@@ -9660,21 +9131,7 @@
               <a:chOff x="-14288" y="0"/>
               <a:chExt cx="1220788" cy="6858001"/>
             </a:xfrm>
-            <a:gradFill flip="none" rotWithShape="1">
-              <a:gsLst>
-                <a:gs pos="0">
-                  <a:schemeClr val="tx2"/>
-                </a:gs>
-                <a:gs pos="100000">
-                  <a:schemeClr val="bg2">
-                    <a:lumMod val="60000"/>
-                    <a:lumOff val="40000"/>
-                  </a:schemeClr>
-                </a:gs>
-              </a:gsLst>
-              <a:lin ang="5400000" scaled="0"/>
-              <a:tileRect/>
-            </a:gradFill>
+            <a:grpFill/>
           </p:grpSpPr>
           <p:sp>
             <p:nvSpPr>
@@ -11663,24 +11120,7 @@
               <a:chOff x="11364912" y="0"/>
               <a:chExt cx="674688" cy="6848476"/>
             </a:xfrm>
-            <a:gradFill flip="none" rotWithShape="1">
-              <a:gsLst>
-                <a:gs pos="0">
-                  <a:schemeClr val="tx2">
-                    <a:alpha val="80000"/>
-                  </a:schemeClr>
-                </a:gs>
-                <a:gs pos="100000">
-                  <a:schemeClr val="bg2">
-                    <a:lumMod val="60000"/>
-                    <a:lumOff val="40000"/>
-                    <a:alpha val="60000"/>
-                  </a:schemeClr>
-                </a:gs>
-              </a:gsLst>
-              <a:lin ang="5400000" scaled="0"/>
-              <a:tileRect/>
-            </a:gradFill>
+            <a:grpFill/>
           </p:grpSpPr>
           <p:sp>
             <p:nvSpPr>
@@ -12674,29 +12114,29 @@
     </p:spTree>
     <p:extLst>
       <p:ext uri="{BB962C8B-B14F-4D97-AF65-F5344CB8AC3E}">
-        <p14:creationId xmlns:p14="http://schemas.microsoft.com/office/powerpoint/2010/main" val="993726705"/>
+        <p14:creationId xmlns:p14="http://schemas.microsoft.com/office/powerpoint/2010/main" val="3428775399"/>
       </p:ext>
     </p:extLst>
   </p:cSld>
   <p:clrMap bg1="dk1" tx1="lt1" bg2="dk2" tx2="lt2" accent1="accent1" accent2="accent2" accent3="accent3" accent4="accent4" accent5="accent5" accent6="accent6" hlink="hlink" folHlink="folHlink"/>
   <p:sldLayoutIdLst>
-    <p:sldLayoutId id="2147483814" r:id="rId1"/>
-    <p:sldLayoutId id="2147483815" r:id="rId2"/>
-    <p:sldLayoutId id="2147483816" r:id="rId3"/>
-    <p:sldLayoutId id="2147483817" r:id="rId4"/>
-    <p:sldLayoutId id="2147483818" r:id="rId5"/>
-    <p:sldLayoutId id="2147483819" r:id="rId6"/>
-    <p:sldLayoutId id="2147483820" r:id="rId7"/>
-    <p:sldLayoutId id="2147483821" r:id="rId8"/>
-    <p:sldLayoutId id="2147483822" r:id="rId9"/>
-    <p:sldLayoutId id="2147483823" r:id="rId10"/>
-    <p:sldLayoutId id="2147483824" r:id="rId11"/>
-    <p:sldLayoutId id="2147483825" r:id="rId12"/>
-    <p:sldLayoutId id="2147483826" r:id="rId13"/>
-    <p:sldLayoutId id="2147483827" r:id="rId14"/>
-    <p:sldLayoutId id="2147483828" r:id="rId15"/>
-    <p:sldLayoutId id="2147483829" r:id="rId16"/>
-    <p:sldLayoutId id="2147483830" r:id="rId17"/>
+    <p:sldLayoutId id="2147483832" r:id="rId1"/>
+    <p:sldLayoutId id="2147483833" r:id="rId2"/>
+    <p:sldLayoutId id="2147483834" r:id="rId3"/>
+    <p:sldLayoutId id="2147483835" r:id="rId4"/>
+    <p:sldLayoutId id="2147483836" r:id="rId5"/>
+    <p:sldLayoutId id="2147483837" r:id="rId6"/>
+    <p:sldLayoutId id="2147483838" r:id="rId7"/>
+    <p:sldLayoutId id="2147483839" r:id="rId8"/>
+    <p:sldLayoutId id="2147483840" r:id="rId9"/>
+    <p:sldLayoutId id="2147483841" r:id="rId10"/>
+    <p:sldLayoutId id="2147483842" r:id="rId11"/>
+    <p:sldLayoutId id="2147483843" r:id="rId12"/>
+    <p:sldLayoutId id="2147483844" r:id="rId13"/>
+    <p:sldLayoutId id="2147483845" r:id="rId14"/>
+    <p:sldLayoutId id="2147483846" r:id="rId15"/>
+    <p:sldLayoutId id="2147483847" r:id="rId16"/>
+    <p:sldLayoutId id="2147483848" r:id="rId17"/>
   </p:sldLayoutIdLst>
   <p:txStyles>
     <p:titleStyle>
@@ -13245,8 +12685,8 @@
         </p:blipFill>
         <p:spPr>
           <a:xfrm>
-            <a:off x="2552482" y="2341030"/>
-            <a:ext cx="7087035" cy="3578811"/>
+            <a:off x="3362027" y="2640543"/>
+            <a:ext cx="5464772" cy="2759601"/>
           </a:xfrm>
           <a:prstGeom prst="rect">
             <a:avLst/>
@@ -13527,8 +12967,8 @@
         </p:blipFill>
         <p:spPr>
           <a:xfrm>
-            <a:off x="3282336" y="2366792"/>
-            <a:ext cx="5624151" cy="3358668"/>
+            <a:off x="3966200" y="2749403"/>
+            <a:ext cx="4256426" cy="2541881"/>
           </a:xfrm>
           <a:prstGeom prst="rect">
             <a:avLst/>
@@ -13709,8 +13149,8 @@
         </p:blipFill>
         <p:spPr>
           <a:xfrm>
-            <a:off x="3461356" y="2009722"/>
-            <a:ext cx="5266112" cy="4294594"/>
+            <a:off x="3922956" y="2249488"/>
+            <a:ext cx="4342914" cy="3541712"/>
           </a:xfrm>
           <a:prstGeom prst="rect">
             <a:avLst/>
@@ -13812,8 +13252,8 @@
         </p:blipFill>
         <p:spPr>
           <a:xfrm>
-            <a:off x="2873632" y="2195326"/>
-            <a:ext cx="6441560" cy="4044156"/>
+            <a:off x="3273781" y="2249488"/>
+            <a:ext cx="5641264" cy="3541712"/>
           </a:xfrm>
           <a:prstGeom prst="rect">
             <a:avLst/>
@@ -13881,19 +13321,17 @@
       </p:sp>
       <p:pic>
         <p:nvPicPr>
-          <p:cNvPr id="7" name="Content Placeholder 6">
+          <p:cNvPr id="8" name="Picture 7">
             <a:extLst>
               <a:ext uri="{FF2B5EF4-FFF2-40B4-BE49-F238E27FC236}">
-                <a16:creationId xmlns:a16="http://schemas.microsoft.com/office/drawing/2014/main" id="{44035E15-E124-4BB7-BA09-64A4057B4DC9}"/>
+                <a16:creationId xmlns:a16="http://schemas.microsoft.com/office/drawing/2014/main" id="{5F9674AC-51BE-4D99-B80F-6C14C7B453F4}"/>
               </a:ext>
             </a:extLst>
           </p:cNvPr>
           <p:cNvPicPr>
-            <a:picLocks noGrp="1" noChangeAspect="1"/>
+            <a:picLocks noChangeAspect="1"/>
           </p:cNvPicPr>
-          <p:nvPr>
-            <p:ph idx="1"/>
-          </p:nvPr>
+          <p:nvPr/>
         </p:nvPicPr>
         <p:blipFill>
           <a:blip r:embed="rId2"/>
@@ -13903,8 +13341,8 @@
         </p:blipFill>
         <p:spPr>
           <a:xfrm>
-            <a:off x="917282" y="2690574"/>
-            <a:ext cx="10354260" cy="1795500"/>
+            <a:off x="3749412" y="1926386"/>
+            <a:ext cx="4689999" cy="4457821"/>
           </a:xfrm>
           <a:prstGeom prst="rect">
             <a:avLst/>
@@ -14191,31 +13629,38 @@
           </a:p>
         </p:txBody>
       </p:sp>
-      <p:sp>
-        <p:nvSpPr>
-          <p:cNvPr id="5" name="Content Placeholder 4">
+      <p:pic>
+        <p:nvPicPr>
+          <p:cNvPr id="6" name="Content Placeholder 5">
             <a:extLst>
               <a:ext uri="{FF2B5EF4-FFF2-40B4-BE49-F238E27FC236}">
-                <a16:creationId xmlns:a16="http://schemas.microsoft.com/office/drawing/2014/main" id="{ED4C49E5-877F-43DE-A79D-2494AAD5693A}"/>
+                <a16:creationId xmlns:a16="http://schemas.microsoft.com/office/drawing/2014/main" id="{C3E733AE-4280-4398-AF06-FAFFB5665A9C}"/>
               </a:ext>
             </a:extLst>
           </p:cNvPr>
-          <p:cNvSpPr>
-            <a:spLocks noGrp="1"/>
-          </p:cNvSpPr>
+          <p:cNvPicPr>
+            <a:picLocks noGrp="1" noChangeAspect="1"/>
+          </p:cNvPicPr>
           <p:nvPr>
             <p:ph idx="1"/>
           </p:nvPr>
-        </p:nvSpPr>
-        <p:spPr/>
-        <p:txBody>
-          <a:bodyPr/>
-          <a:lstStyle/>
-          <a:p>
-            <a:endParaRPr lang="en-US"/>
-          </a:p>
-        </p:txBody>
-      </p:sp>
+        </p:nvPicPr>
+        <p:blipFill>
+          <a:blip r:embed="rId2"/>
+          <a:stretch>
+            <a:fillRect/>
+          </a:stretch>
+        </p:blipFill>
+        <p:spPr>
+          <a:xfrm>
+            <a:off x="1357076" y="2248391"/>
+            <a:ext cx="9474671" cy="1799876"/>
+          </a:xfrm>
+          <a:prstGeom prst="rect">
+            <a:avLst/>
+          </a:prstGeom>
+        </p:spPr>
+      </p:pic>
     </p:spTree>
     <p:extLst>
       <p:ext uri="{BB962C8B-B14F-4D97-AF65-F5344CB8AC3E}">
@@ -14709,34 +14154,34 @@
         <a:sysClr val="window" lastClr="FFFFFF"/>
       </a:lt1>
       <a:dk2>
-        <a:srgbClr val="134770"/>
+        <a:srgbClr val="252C36"/>
       </a:dk2>
       <a:lt2>
-        <a:srgbClr val="82FFFF"/>
+        <a:srgbClr val="7C96A3"/>
       </a:lt2>
       <a:accent1>
-        <a:srgbClr val="9ACD4C"/>
+        <a:srgbClr val="4FD093"/>
       </a:accent1>
       <a:accent2>
-        <a:srgbClr val="FAA93A"/>
+        <a:srgbClr val="54BCDF"/>
       </a:accent2>
       <a:accent3>
-        <a:srgbClr val="D35940"/>
+        <a:srgbClr val="A262D0"/>
       </a:accent3>
       <a:accent4>
-        <a:srgbClr val="B258D3"/>
+        <a:srgbClr val="D7537B"/>
       </a:accent4>
       <a:accent5>
-        <a:srgbClr val="63A0CC"/>
+        <a:srgbClr val="E78045"/>
       </a:accent5>
       <a:accent6>
-        <a:srgbClr val="8AC4A7"/>
+        <a:srgbClr val="84C350"/>
       </a:accent6>
       <a:hlink>
-        <a:srgbClr val="B8FA56"/>
+        <a:srgbClr val="22FFFF"/>
       </a:hlink>
       <a:folHlink>
-        <a:srgbClr val="7AF8CC"/>
+        <a:srgbClr val="9BF3FD"/>
       </a:folHlink>
     </a:clrScheme>
     <a:fontScheme name="Circuit">
@@ -14903,7 +14348,7 @@
                 <a:tint val="98000"/>
                 <a:hueMod val="94000"/>
                 <a:satMod val="148000"/>
-                <a:lumMod val="150000"/>
+                <a:lumMod val="140000"/>
               </a:schemeClr>
             </a:gs>
             <a:gs pos="100000">
@@ -14911,7 +14356,7 @@
                 <a:shade val="92000"/>
                 <a:hueMod val="104000"/>
                 <a:satMod val="140000"/>
-                <a:lumMod val="68000"/>
+                <a:lumMod val="48000"/>
               </a:schemeClr>
             </a:gs>
           </a:gsLst>
@@ -14921,16 +14366,16 @@
           <a:blip xmlns:r="http://schemas.openxmlformats.org/officeDocument/2006/relationships" r:embed="rId1">
             <a:duotone>
               <a:schemeClr val="phClr">
-                <a:shade val="88000"/>
+                <a:shade val="48000"/>
                 <a:hueMod val="106000"/>
                 <a:satMod val="140000"/>
-                <a:lumMod val="54000"/>
+                <a:lumMod val="42000"/>
               </a:schemeClr>
               <a:schemeClr val="phClr">
                 <a:tint val="98000"/>
-                <a:hueMod val="90000"/>
-                <a:satMod val="150000"/>
-                <a:lumMod val="160000"/>
+                <a:hueMod val="92000"/>
+                <a:satMod val="220000"/>
+                <a:lumMod val="90000"/>
               </a:schemeClr>
             </a:duotone>
           </a:blip>
@@ -14943,7 +14388,7 @@
   <a:extraClrSchemeLst/>
   <a:extLst>
     <a:ext uri="{05A4C25C-085E-4340-85A3-A5531E510DB2}">
-      <thm15:themeFamily xmlns:thm15="http://schemas.microsoft.com/office/thememl/2012/main" name="Circuit" id="{0AC2F7E7-15F5-431C-B2A2-456FE929F56C}" vid="{0911B802-464C-4241-8DD9-B60FF88E379F}"/>
+      <thm15:themeFamily xmlns:thm15="http://schemas.microsoft.com/office/thememl/2012/main" name="Circuit" id="{0AC2F7E7-15F5-431C-B2A2-456FE929F56C}" vid="{142578CA-DEC9-49C3-80AF-C113973CC9A9}"/>
     </a:ext>
   </a:extLst>
 </a:theme>
